--- a/ITI/TF/Volume1/media/Figure_31.4.2.2-2.pptx
+++ b/ITI/TF/Volume1/media/Figure_31.4.2.2-2.pptx
@@ -104,6 +104,11 @@
       </a:defRPr>
     </a:lvl9pPr>
   </p:defaultTextStyle>
+  <p:extLst>
+    <p:ext uri="{EFAFB233-063F-42B5-8137-9DF3F51BA10A}">
+      <p15:sldGuideLst xmlns:p15="http://schemas.microsoft.com/office/powerpoint/2012/main"/>
+    </p:ext>
+  </p:extLst>
 </p:presentation>
 </file>
 
@@ -254,7 +259,7 @@
           <a:p>
             <a:fld id="{961573EF-CF9B-DE4E-9EDA-BB55FFEF7F16}" type="datetimeFigureOut">
               <a:rPr lang="en-US" smtClean="0"/>
-              <a:t>8/25/20</a:t>
+              <a:t>11/17/2020</a:t>
             </a:fld>
             <a:endParaRPr lang="en-US"/>
           </a:p>
@@ -452,7 +457,7 @@
           <a:p>
             <a:fld id="{961573EF-CF9B-DE4E-9EDA-BB55FFEF7F16}" type="datetimeFigureOut">
               <a:rPr lang="en-US" smtClean="0"/>
-              <a:t>8/25/20</a:t>
+              <a:t>11/17/2020</a:t>
             </a:fld>
             <a:endParaRPr lang="en-US"/>
           </a:p>
@@ -660,7 +665,7 @@
           <a:p>
             <a:fld id="{961573EF-CF9B-DE4E-9EDA-BB55FFEF7F16}" type="datetimeFigureOut">
               <a:rPr lang="en-US" smtClean="0"/>
-              <a:t>8/25/20</a:t>
+              <a:t>11/17/2020</a:t>
             </a:fld>
             <a:endParaRPr lang="en-US"/>
           </a:p>
@@ -858,7 +863,7 @@
           <a:p>
             <a:fld id="{961573EF-CF9B-DE4E-9EDA-BB55FFEF7F16}" type="datetimeFigureOut">
               <a:rPr lang="en-US" smtClean="0"/>
-              <a:t>8/25/20</a:t>
+              <a:t>11/17/2020</a:t>
             </a:fld>
             <a:endParaRPr lang="en-US"/>
           </a:p>
@@ -1133,7 +1138,7 @@
           <a:p>
             <a:fld id="{961573EF-CF9B-DE4E-9EDA-BB55FFEF7F16}" type="datetimeFigureOut">
               <a:rPr lang="en-US" smtClean="0"/>
-              <a:t>8/25/20</a:t>
+              <a:t>11/17/2020</a:t>
             </a:fld>
             <a:endParaRPr lang="en-US"/>
           </a:p>
@@ -1398,7 +1403,7 @@
           <a:p>
             <a:fld id="{961573EF-CF9B-DE4E-9EDA-BB55FFEF7F16}" type="datetimeFigureOut">
               <a:rPr lang="en-US" smtClean="0"/>
-              <a:t>8/25/20</a:t>
+              <a:t>11/17/2020</a:t>
             </a:fld>
             <a:endParaRPr lang="en-US"/>
           </a:p>
@@ -1810,7 +1815,7 @@
           <a:p>
             <a:fld id="{961573EF-CF9B-DE4E-9EDA-BB55FFEF7F16}" type="datetimeFigureOut">
               <a:rPr lang="en-US" smtClean="0"/>
-              <a:t>8/25/20</a:t>
+              <a:t>11/17/2020</a:t>
             </a:fld>
             <a:endParaRPr lang="en-US"/>
           </a:p>
@@ -1951,7 +1956,7 @@
           <a:p>
             <a:fld id="{961573EF-CF9B-DE4E-9EDA-BB55FFEF7F16}" type="datetimeFigureOut">
               <a:rPr lang="en-US" smtClean="0"/>
-              <a:t>8/25/20</a:t>
+              <a:t>11/17/2020</a:t>
             </a:fld>
             <a:endParaRPr lang="en-US"/>
           </a:p>
@@ -2064,7 +2069,7 @@
           <a:p>
             <a:fld id="{961573EF-CF9B-DE4E-9EDA-BB55FFEF7F16}" type="datetimeFigureOut">
               <a:rPr lang="en-US" smtClean="0"/>
-              <a:t>8/25/20</a:t>
+              <a:t>11/17/2020</a:t>
             </a:fld>
             <a:endParaRPr lang="en-US"/>
           </a:p>
@@ -2375,7 +2380,7 @@
           <a:p>
             <a:fld id="{961573EF-CF9B-DE4E-9EDA-BB55FFEF7F16}" type="datetimeFigureOut">
               <a:rPr lang="en-US" smtClean="0"/>
-              <a:t>8/25/20</a:t>
+              <a:t>11/17/2020</a:t>
             </a:fld>
             <a:endParaRPr lang="en-US"/>
           </a:p>
@@ -2663,7 +2668,7 @@
           <a:p>
             <a:fld id="{961573EF-CF9B-DE4E-9EDA-BB55FFEF7F16}" type="datetimeFigureOut">
               <a:rPr lang="en-US" smtClean="0"/>
-              <a:t>8/25/20</a:t>
+              <a:t>11/17/2020</a:t>
             </a:fld>
             <a:endParaRPr lang="en-US"/>
           </a:p>
@@ -2904,7 +2909,7 @@
           <a:p>
             <a:fld id="{961573EF-CF9B-DE4E-9EDA-BB55FFEF7F16}" type="datetimeFigureOut">
               <a:rPr lang="en-US" smtClean="0"/>
-              <a:t>8/25/20</a:t>
+              <a:t>11/17/2020</a:t>
             </a:fld>
             <a:endParaRPr lang="en-US"/>
           </a:p>
@@ -3331,14 +3336,14 @@
             </a:extLst>
           </p:cNvPr>
           <p:cNvGrpSpPr>
-            <a:grpSpLocks/>
+            <a:grpSpLocks noChangeAspect="1"/>
           </p:cNvGrpSpPr>
           <p:nvPr/>
         </p:nvGrpSpPr>
         <p:grpSpPr bwMode="auto">
           <a:xfrm>
-            <a:off x="2895600" y="2781300"/>
-            <a:ext cx="6400800" cy="1295400"/>
+            <a:off x="568037" y="2325949"/>
+            <a:ext cx="11860948" cy="2400430"/>
             <a:chOff x="0" y="0"/>
             <a:chExt cx="64008" cy="12954"/>
           </a:xfrm>
@@ -3371,14 +3376,14 @@
             </a:ln>
             <a:extLst>
               <a:ext uri="{909E8E84-426E-40dd-AFC4-6F175D3DCCD1}">
-                <a14:hiddenFill xmlns:wpc="http://schemas.microsoft.com/office/word/2010/wordprocessingCanvas" xmlns:cx="http://schemas.microsoft.com/office/drawing/2014/chartex" xmlns:cx1="http://schemas.microsoft.com/office/drawing/2015/9/8/chartex" xmlns:cx2="http://schemas.microsoft.com/office/drawing/2015/10/21/chartex" xmlns:cx3="http://schemas.microsoft.com/office/drawing/2016/5/9/chartex" xmlns:cx4="http://schemas.microsoft.com/office/drawing/2016/5/10/chartex" xmlns:cx5="http://schemas.microsoft.com/office/drawing/2016/5/11/chartex" xmlns:cx6="http://schemas.microsoft.com/office/drawing/2016/5/12/chartex" xmlns:cx7="http://schemas.microsoft.com/office/drawing/2016/5/13/chartex" xmlns:cx8="http://schemas.microsoft.com/office/drawing/2016/5/14/chartex" xmlns:mc="http://schemas.openxmlformats.org/markup-compatibility/2006" xmlns:aink="http://schemas.microsoft.com/office/drawing/2016/ink" xmlns:am3d="http://schemas.microsoft.com/office/drawing/2017/model3d" xmlns:m="http://schemas.openxmlformats.org/officeDocument/2006/math" xmlns:wp14="http://schemas.microsoft.com/office/word/2010/wordprocessingDrawing" xmlns:wp="http://schemas.openxmlformats.org/drawingml/2006/wordprocessingDrawing" xmlns:w14="http://schemas.microsoft.com/office/word/2010/wordml" xmlns:w15="http://schemas.microsoft.com/office/word/2012/wordml" xmlns:w16cex="http://schemas.microsoft.com/office/word/2018/wordml/cex" xmlns:w16cid="http://schemas.microsoft.com/office/word/2016/wordml/cid" xmlns:w16="http://schemas.microsoft.com/office/word/2018/wordml" xmlns:w16se="http://schemas.microsoft.com/office/word/2015/wordml/symex" xmlns:wpg="http://schemas.microsoft.com/office/word/2010/wordprocessingGroup" xmlns:wpi="http://schemas.microsoft.com/office/word/2010/wordprocessingInk" xmlns:wne="http://schemas.microsoft.com/office/word/2006/wordml" xmlns:wps="http://schemas.microsoft.com/office/word/2010/wordprocessingShape" xmlns="" xmlns:mo="http://schemas.microsoft.com/office/mac/office/2008/main" xmlns:mv="urn:schemas-microsoft-com:mac:vml" xmlns:o="urn:schemas-microsoft-com:office:office" xmlns:v="urn:schemas-microsoft-com:vml" xmlns:w10="urn:schemas-microsoft-com:office:word" xmlns:w="http://schemas.openxmlformats.org/wordprocessingml/2006/main" xmlns:a14="http://schemas.microsoft.com/office/drawing/2010/main" xmlns:lc="http://schemas.openxmlformats.org/drawingml/2006/lockedCanvas">
+                <a14:hiddenFill xmlns:lc="http://schemas.openxmlformats.org/drawingml/2006/lockedCanvas" xmlns:a14="http://schemas.microsoft.com/office/drawing/2010/main" xmlns:w="http://schemas.openxmlformats.org/wordprocessingml/2006/main" xmlns:w10="urn:schemas-microsoft-com:office:word" xmlns:v="urn:schemas-microsoft-com:vml" xmlns:o="urn:schemas-microsoft-com:office:office" xmlns:mv="urn:schemas-microsoft-com:mac:vml" xmlns:mo="http://schemas.microsoft.com/office/mac/office/2008/main" xmlns="" xmlns:wps="http://schemas.microsoft.com/office/word/2010/wordprocessingShape" xmlns:wne="http://schemas.microsoft.com/office/word/2006/wordml" xmlns:wpi="http://schemas.microsoft.com/office/word/2010/wordprocessingInk" xmlns:wpg="http://schemas.microsoft.com/office/word/2010/wordprocessingGroup" xmlns:w16se="http://schemas.microsoft.com/office/word/2015/wordml/symex" xmlns:w16="http://schemas.microsoft.com/office/word/2018/wordml" xmlns:w16cid="http://schemas.microsoft.com/office/word/2016/wordml/cid" xmlns:w16cex="http://schemas.microsoft.com/office/word/2018/wordml/cex" xmlns:w15="http://schemas.microsoft.com/office/word/2012/wordml" xmlns:w14="http://schemas.microsoft.com/office/word/2010/wordml" xmlns:wp="http://schemas.openxmlformats.org/drawingml/2006/wordprocessingDrawing" xmlns:wp14="http://schemas.microsoft.com/office/word/2010/wordprocessingDrawing" xmlns:m="http://schemas.openxmlformats.org/officeDocument/2006/math" xmlns:am3d="http://schemas.microsoft.com/office/drawing/2017/model3d" xmlns:aink="http://schemas.microsoft.com/office/drawing/2016/ink" xmlns:mc="http://schemas.openxmlformats.org/markup-compatibility/2006" xmlns:cx8="http://schemas.microsoft.com/office/drawing/2016/5/14/chartex" xmlns:cx7="http://schemas.microsoft.com/office/drawing/2016/5/13/chartex" xmlns:cx6="http://schemas.microsoft.com/office/drawing/2016/5/12/chartex" xmlns:cx5="http://schemas.microsoft.com/office/drawing/2016/5/11/chartex" xmlns:cx4="http://schemas.microsoft.com/office/drawing/2016/5/10/chartex" xmlns:cx3="http://schemas.microsoft.com/office/drawing/2016/5/9/chartex" xmlns:cx2="http://schemas.microsoft.com/office/drawing/2015/10/21/chartex" xmlns:cx1="http://schemas.microsoft.com/office/drawing/2015/9/8/chartex" xmlns:cx="http://schemas.microsoft.com/office/drawing/2014/chartex" xmlns:wpc="http://schemas.microsoft.com/office/word/2010/wordprocessingCanvas">
                   <a:solidFill>
                     <a:srgbClr val="FFFFFF"/>
                   </a:solidFill>
                 </a14:hiddenFill>
               </a:ext>
               <a:ext uri="{91240B29-F687-4f45-9708-019B960494DF}">
-                <a14:hiddenLine xmlns:wpc="http://schemas.microsoft.com/office/word/2010/wordprocessingCanvas" xmlns:cx="http://schemas.microsoft.com/office/drawing/2014/chartex" xmlns:cx1="http://schemas.microsoft.com/office/drawing/2015/9/8/chartex" xmlns:cx2="http://schemas.microsoft.com/office/drawing/2015/10/21/chartex" xmlns:cx3="http://schemas.microsoft.com/office/drawing/2016/5/9/chartex" xmlns:cx4="http://schemas.microsoft.com/office/drawing/2016/5/10/chartex" xmlns:cx5="http://schemas.microsoft.com/office/drawing/2016/5/11/chartex" xmlns:cx6="http://schemas.microsoft.com/office/drawing/2016/5/12/chartex" xmlns:cx7="http://schemas.microsoft.com/office/drawing/2016/5/13/chartex" xmlns:cx8="http://schemas.microsoft.com/office/drawing/2016/5/14/chartex" xmlns:mc="http://schemas.openxmlformats.org/markup-compatibility/2006" xmlns:aink="http://schemas.microsoft.com/office/drawing/2016/ink" xmlns:am3d="http://schemas.microsoft.com/office/drawing/2017/model3d" xmlns:m="http://schemas.openxmlformats.org/officeDocument/2006/math" xmlns:wp14="http://schemas.microsoft.com/office/word/2010/wordprocessingDrawing" xmlns:wp="http://schemas.openxmlformats.org/drawingml/2006/wordprocessingDrawing" xmlns:w14="http://schemas.microsoft.com/office/word/2010/wordml" xmlns:w15="http://schemas.microsoft.com/office/word/2012/wordml" xmlns:w16cex="http://schemas.microsoft.com/office/word/2018/wordml/cex" xmlns:w16cid="http://schemas.microsoft.com/office/word/2016/wordml/cid" xmlns:w16="http://schemas.microsoft.com/office/word/2018/wordml" xmlns:w16se="http://schemas.microsoft.com/office/word/2015/wordml/symex" xmlns:wpg="http://schemas.microsoft.com/office/word/2010/wordprocessingGroup" xmlns:wpi="http://schemas.microsoft.com/office/word/2010/wordprocessingInk" xmlns:wne="http://schemas.microsoft.com/office/word/2006/wordml" xmlns:wps="http://schemas.microsoft.com/office/word/2010/wordprocessingShape" xmlns="" xmlns:mo="http://schemas.microsoft.com/office/mac/office/2008/main" xmlns:mv="urn:schemas-microsoft-com:mac:vml" xmlns:o="urn:schemas-microsoft-com:office:office" xmlns:v="urn:schemas-microsoft-com:vml" xmlns:w10="urn:schemas-microsoft-com:office:word" xmlns:w="http://schemas.openxmlformats.org/wordprocessingml/2006/main" xmlns:a14="http://schemas.microsoft.com/office/drawing/2010/main" xmlns:lc="http://schemas.openxmlformats.org/drawingml/2006/lockedCanvas" w="9525">
+                <a14:hiddenLine xmlns:lc="http://schemas.openxmlformats.org/drawingml/2006/lockedCanvas" xmlns:a14="http://schemas.microsoft.com/office/drawing/2010/main" xmlns:w="http://schemas.openxmlformats.org/wordprocessingml/2006/main" xmlns:w10="urn:schemas-microsoft-com:office:word" xmlns:v="urn:schemas-microsoft-com:vml" xmlns:o="urn:schemas-microsoft-com:office:office" xmlns:mv="urn:schemas-microsoft-com:mac:vml" xmlns:mo="http://schemas.microsoft.com/office/mac/office/2008/main" xmlns="" xmlns:wps="http://schemas.microsoft.com/office/word/2010/wordprocessingShape" xmlns:wne="http://schemas.microsoft.com/office/word/2006/wordml" xmlns:wpi="http://schemas.microsoft.com/office/word/2010/wordprocessingInk" xmlns:wpg="http://schemas.microsoft.com/office/word/2010/wordprocessingGroup" xmlns:w16se="http://schemas.microsoft.com/office/word/2015/wordml/symex" xmlns:w16="http://schemas.microsoft.com/office/word/2018/wordml" xmlns:w16cid="http://schemas.microsoft.com/office/word/2016/wordml/cid" xmlns:w16cex="http://schemas.microsoft.com/office/word/2018/wordml/cex" xmlns:w15="http://schemas.microsoft.com/office/word/2012/wordml" xmlns:w14="http://schemas.microsoft.com/office/word/2010/wordml" xmlns:wp="http://schemas.openxmlformats.org/drawingml/2006/wordprocessingDrawing" xmlns:wp14="http://schemas.microsoft.com/office/word/2010/wordprocessingDrawing" xmlns:m="http://schemas.openxmlformats.org/officeDocument/2006/math" xmlns:am3d="http://schemas.microsoft.com/office/drawing/2017/model3d" xmlns:aink="http://schemas.microsoft.com/office/drawing/2016/ink" xmlns:mc="http://schemas.openxmlformats.org/markup-compatibility/2006" xmlns:cx8="http://schemas.microsoft.com/office/drawing/2016/5/14/chartex" xmlns:cx7="http://schemas.microsoft.com/office/drawing/2016/5/13/chartex" xmlns:cx6="http://schemas.microsoft.com/office/drawing/2016/5/12/chartex" xmlns:cx5="http://schemas.microsoft.com/office/drawing/2016/5/11/chartex" xmlns:cx4="http://schemas.microsoft.com/office/drawing/2016/5/10/chartex" xmlns:cx3="http://schemas.microsoft.com/office/drawing/2016/5/9/chartex" xmlns:cx2="http://schemas.microsoft.com/office/drawing/2015/10/21/chartex" xmlns:cx1="http://schemas.microsoft.com/office/drawing/2015/9/8/chartex" xmlns:cx="http://schemas.microsoft.com/office/drawing/2014/chartex" xmlns:wpc="http://schemas.microsoft.com/office/word/2010/wordprocessingCanvas" w="9525">
                   <a:solidFill>
                     <a:srgbClr val="000000"/>
                   </a:solidFill>
@@ -3427,14 +3432,14 @@
             </a:ln>
             <a:extLst>
               <a:ext uri="{909E8E84-426E-40dd-AFC4-6F175D3DCCD1}">
-                <a14:hiddenFill xmlns:wpc="http://schemas.microsoft.com/office/word/2010/wordprocessingCanvas" xmlns:cx="http://schemas.microsoft.com/office/drawing/2014/chartex" xmlns:cx1="http://schemas.microsoft.com/office/drawing/2015/9/8/chartex" xmlns:cx2="http://schemas.microsoft.com/office/drawing/2015/10/21/chartex" xmlns:cx3="http://schemas.microsoft.com/office/drawing/2016/5/9/chartex" xmlns:cx4="http://schemas.microsoft.com/office/drawing/2016/5/10/chartex" xmlns:cx5="http://schemas.microsoft.com/office/drawing/2016/5/11/chartex" xmlns:cx6="http://schemas.microsoft.com/office/drawing/2016/5/12/chartex" xmlns:cx7="http://schemas.microsoft.com/office/drawing/2016/5/13/chartex" xmlns:cx8="http://schemas.microsoft.com/office/drawing/2016/5/14/chartex" xmlns:mc="http://schemas.openxmlformats.org/markup-compatibility/2006" xmlns:aink="http://schemas.microsoft.com/office/drawing/2016/ink" xmlns:am3d="http://schemas.microsoft.com/office/drawing/2017/model3d" xmlns:m="http://schemas.openxmlformats.org/officeDocument/2006/math" xmlns:wp14="http://schemas.microsoft.com/office/word/2010/wordprocessingDrawing" xmlns:wp="http://schemas.openxmlformats.org/drawingml/2006/wordprocessingDrawing" xmlns:w14="http://schemas.microsoft.com/office/word/2010/wordml" xmlns:w15="http://schemas.microsoft.com/office/word/2012/wordml" xmlns:w16cex="http://schemas.microsoft.com/office/word/2018/wordml/cex" xmlns:w16cid="http://schemas.microsoft.com/office/word/2016/wordml/cid" xmlns:w16="http://schemas.microsoft.com/office/word/2018/wordml" xmlns:w16se="http://schemas.microsoft.com/office/word/2015/wordml/symex" xmlns:wpg="http://schemas.microsoft.com/office/word/2010/wordprocessingGroup" xmlns:wpi="http://schemas.microsoft.com/office/word/2010/wordprocessingInk" xmlns:wne="http://schemas.microsoft.com/office/word/2006/wordml" xmlns:wps="http://schemas.microsoft.com/office/word/2010/wordprocessingShape" xmlns="" xmlns:mo="http://schemas.microsoft.com/office/mac/office/2008/main" xmlns:mv="urn:schemas-microsoft-com:mac:vml" xmlns:o="urn:schemas-microsoft-com:office:office" xmlns:v="urn:schemas-microsoft-com:vml" xmlns:w10="urn:schemas-microsoft-com:office:word" xmlns:w="http://schemas.openxmlformats.org/wordprocessingml/2006/main" xmlns:a14="http://schemas.microsoft.com/office/drawing/2010/main" xmlns:lc="http://schemas.openxmlformats.org/drawingml/2006/lockedCanvas">
+                <a14:hiddenFill xmlns:lc="http://schemas.openxmlformats.org/drawingml/2006/lockedCanvas" xmlns:a14="http://schemas.microsoft.com/office/drawing/2010/main" xmlns:w="http://schemas.openxmlformats.org/wordprocessingml/2006/main" xmlns:w10="urn:schemas-microsoft-com:office:word" xmlns:v="urn:schemas-microsoft-com:vml" xmlns:o="urn:schemas-microsoft-com:office:office" xmlns:mv="urn:schemas-microsoft-com:mac:vml" xmlns:mo="http://schemas.microsoft.com/office/mac/office/2008/main" xmlns="" xmlns:wps="http://schemas.microsoft.com/office/word/2010/wordprocessingShape" xmlns:wne="http://schemas.microsoft.com/office/word/2006/wordml" xmlns:wpi="http://schemas.microsoft.com/office/word/2010/wordprocessingInk" xmlns:wpg="http://schemas.microsoft.com/office/word/2010/wordprocessingGroup" xmlns:w16se="http://schemas.microsoft.com/office/word/2015/wordml/symex" xmlns:w16="http://schemas.microsoft.com/office/word/2018/wordml" xmlns:w16cid="http://schemas.microsoft.com/office/word/2016/wordml/cid" xmlns:w16cex="http://schemas.microsoft.com/office/word/2018/wordml/cex" xmlns:w15="http://schemas.microsoft.com/office/word/2012/wordml" xmlns:w14="http://schemas.microsoft.com/office/word/2010/wordml" xmlns:wp="http://schemas.openxmlformats.org/drawingml/2006/wordprocessingDrawing" xmlns:wp14="http://schemas.microsoft.com/office/word/2010/wordprocessingDrawing" xmlns:m="http://schemas.openxmlformats.org/officeDocument/2006/math" xmlns:am3d="http://schemas.microsoft.com/office/drawing/2017/model3d" xmlns:aink="http://schemas.microsoft.com/office/drawing/2016/ink" xmlns:mc="http://schemas.openxmlformats.org/markup-compatibility/2006" xmlns:cx8="http://schemas.microsoft.com/office/drawing/2016/5/14/chartex" xmlns:cx7="http://schemas.microsoft.com/office/drawing/2016/5/13/chartex" xmlns:cx6="http://schemas.microsoft.com/office/drawing/2016/5/12/chartex" xmlns:cx5="http://schemas.microsoft.com/office/drawing/2016/5/11/chartex" xmlns:cx4="http://schemas.microsoft.com/office/drawing/2016/5/10/chartex" xmlns:cx3="http://schemas.microsoft.com/office/drawing/2016/5/9/chartex" xmlns:cx2="http://schemas.microsoft.com/office/drawing/2015/10/21/chartex" xmlns:cx1="http://schemas.microsoft.com/office/drawing/2015/9/8/chartex" xmlns:cx="http://schemas.microsoft.com/office/drawing/2014/chartex" xmlns:wpc="http://schemas.microsoft.com/office/word/2010/wordprocessingCanvas">
                   <a:solidFill>
                     <a:srgbClr val="FFFFFF"/>
                   </a:solidFill>
                 </a14:hiddenFill>
               </a:ext>
               <a:ext uri="{91240B29-F687-4f45-9708-019B960494DF}">
-                <a14:hiddenLine xmlns:wpc="http://schemas.microsoft.com/office/word/2010/wordprocessingCanvas" xmlns:cx="http://schemas.microsoft.com/office/drawing/2014/chartex" xmlns:cx1="http://schemas.microsoft.com/office/drawing/2015/9/8/chartex" xmlns:cx2="http://schemas.microsoft.com/office/drawing/2015/10/21/chartex" xmlns:cx3="http://schemas.microsoft.com/office/drawing/2016/5/9/chartex" xmlns:cx4="http://schemas.microsoft.com/office/drawing/2016/5/10/chartex" xmlns:cx5="http://schemas.microsoft.com/office/drawing/2016/5/11/chartex" xmlns:cx6="http://schemas.microsoft.com/office/drawing/2016/5/12/chartex" xmlns:cx7="http://schemas.microsoft.com/office/drawing/2016/5/13/chartex" xmlns:cx8="http://schemas.microsoft.com/office/drawing/2016/5/14/chartex" xmlns:mc="http://schemas.openxmlformats.org/markup-compatibility/2006" xmlns:aink="http://schemas.microsoft.com/office/drawing/2016/ink" xmlns:am3d="http://schemas.microsoft.com/office/drawing/2017/model3d" xmlns:m="http://schemas.openxmlformats.org/officeDocument/2006/math" xmlns:wp14="http://schemas.microsoft.com/office/word/2010/wordprocessingDrawing" xmlns:wp="http://schemas.openxmlformats.org/drawingml/2006/wordprocessingDrawing" xmlns:w14="http://schemas.microsoft.com/office/word/2010/wordml" xmlns:w15="http://schemas.microsoft.com/office/word/2012/wordml" xmlns:w16cex="http://schemas.microsoft.com/office/word/2018/wordml/cex" xmlns:w16cid="http://schemas.microsoft.com/office/word/2016/wordml/cid" xmlns:w16="http://schemas.microsoft.com/office/word/2018/wordml" xmlns:w16se="http://schemas.microsoft.com/office/word/2015/wordml/symex" xmlns:wpg="http://schemas.microsoft.com/office/word/2010/wordprocessingGroup" xmlns:wpi="http://schemas.microsoft.com/office/word/2010/wordprocessingInk" xmlns:wne="http://schemas.microsoft.com/office/word/2006/wordml" xmlns:wps="http://schemas.microsoft.com/office/word/2010/wordprocessingShape" xmlns="" xmlns:mo="http://schemas.microsoft.com/office/mac/office/2008/main" xmlns:mv="urn:schemas-microsoft-com:mac:vml" xmlns:o="urn:schemas-microsoft-com:office:office" xmlns:v="urn:schemas-microsoft-com:vml" xmlns:w10="urn:schemas-microsoft-com:office:word" xmlns:w="http://schemas.openxmlformats.org/wordprocessingml/2006/main" xmlns:a14="http://schemas.microsoft.com/office/drawing/2010/main" xmlns:lc="http://schemas.openxmlformats.org/drawingml/2006/lockedCanvas" w="9525">
+                <a14:hiddenLine xmlns:lc="http://schemas.openxmlformats.org/drawingml/2006/lockedCanvas" xmlns:a14="http://schemas.microsoft.com/office/drawing/2010/main" xmlns:w="http://schemas.openxmlformats.org/wordprocessingml/2006/main" xmlns:w10="urn:schemas-microsoft-com:office:word" xmlns:v="urn:schemas-microsoft-com:vml" xmlns:o="urn:schemas-microsoft-com:office:office" xmlns:mv="urn:schemas-microsoft-com:mac:vml" xmlns:mo="http://schemas.microsoft.com/office/mac/office/2008/main" xmlns="" xmlns:wps="http://schemas.microsoft.com/office/word/2010/wordprocessingShape" xmlns:wne="http://schemas.microsoft.com/office/word/2006/wordml" xmlns:wpi="http://schemas.microsoft.com/office/word/2010/wordprocessingInk" xmlns:wpg="http://schemas.microsoft.com/office/word/2010/wordprocessingGroup" xmlns:w16se="http://schemas.microsoft.com/office/word/2015/wordml/symex" xmlns:w16="http://schemas.microsoft.com/office/word/2018/wordml" xmlns:w16cid="http://schemas.microsoft.com/office/word/2016/wordml/cid" xmlns:w16cex="http://schemas.microsoft.com/office/word/2018/wordml/cex" xmlns:w15="http://schemas.microsoft.com/office/word/2012/wordml" xmlns:w14="http://schemas.microsoft.com/office/word/2010/wordml" xmlns:wp="http://schemas.openxmlformats.org/drawingml/2006/wordprocessingDrawing" xmlns:wp14="http://schemas.microsoft.com/office/word/2010/wordprocessingDrawing" xmlns:m="http://schemas.openxmlformats.org/officeDocument/2006/math" xmlns:am3d="http://schemas.microsoft.com/office/drawing/2017/model3d" xmlns:aink="http://schemas.microsoft.com/office/drawing/2016/ink" xmlns:mc="http://schemas.openxmlformats.org/markup-compatibility/2006" xmlns:cx8="http://schemas.microsoft.com/office/drawing/2016/5/14/chartex" xmlns:cx7="http://schemas.microsoft.com/office/drawing/2016/5/13/chartex" xmlns:cx6="http://schemas.microsoft.com/office/drawing/2016/5/12/chartex" xmlns:cx5="http://schemas.microsoft.com/office/drawing/2016/5/11/chartex" xmlns:cx4="http://schemas.microsoft.com/office/drawing/2016/5/10/chartex" xmlns:cx3="http://schemas.microsoft.com/office/drawing/2016/5/9/chartex" xmlns:cx2="http://schemas.microsoft.com/office/drawing/2015/10/21/chartex" xmlns:cx1="http://schemas.microsoft.com/office/drawing/2015/9/8/chartex" xmlns:cx="http://schemas.microsoft.com/office/drawing/2014/chartex" xmlns:wpc="http://schemas.microsoft.com/office/word/2010/wordprocessingCanvas" w="9525">
                   <a:solidFill>
                     <a:srgbClr val="000000"/>
                   </a:solidFill>
@@ -3507,14 +3512,14 @@
             </a:ln>
             <a:extLst>
               <a:ext uri="{909E8E84-426E-40dd-AFC4-6F175D3DCCD1}">
-                <a14:hiddenFill xmlns:wpc="http://schemas.microsoft.com/office/word/2010/wordprocessingCanvas" xmlns:cx="http://schemas.microsoft.com/office/drawing/2014/chartex" xmlns:cx1="http://schemas.microsoft.com/office/drawing/2015/9/8/chartex" xmlns:cx2="http://schemas.microsoft.com/office/drawing/2015/10/21/chartex" xmlns:cx3="http://schemas.microsoft.com/office/drawing/2016/5/9/chartex" xmlns:cx4="http://schemas.microsoft.com/office/drawing/2016/5/10/chartex" xmlns:cx5="http://schemas.microsoft.com/office/drawing/2016/5/11/chartex" xmlns:cx6="http://schemas.microsoft.com/office/drawing/2016/5/12/chartex" xmlns:cx7="http://schemas.microsoft.com/office/drawing/2016/5/13/chartex" xmlns:cx8="http://schemas.microsoft.com/office/drawing/2016/5/14/chartex" xmlns:mc="http://schemas.openxmlformats.org/markup-compatibility/2006" xmlns:aink="http://schemas.microsoft.com/office/drawing/2016/ink" xmlns:am3d="http://schemas.microsoft.com/office/drawing/2017/model3d" xmlns:m="http://schemas.openxmlformats.org/officeDocument/2006/math" xmlns:wp14="http://schemas.microsoft.com/office/word/2010/wordprocessingDrawing" xmlns:wp="http://schemas.openxmlformats.org/drawingml/2006/wordprocessingDrawing" xmlns:w14="http://schemas.microsoft.com/office/word/2010/wordml" xmlns:w15="http://schemas.microsoft.com/office/word/2012/wordml" xmlns:w16cex="http://schemas.microsoft.com/office/word/2018/wordml/cex" xmlns:w16cid="http://schemas.microsoft.com/office/word/2016/wordml/cid" xmlns:w16="http://schemas.microsoft.com/office/word/2018/wordml" xmlns:w16se="http://schemas.microsoft.com/office/word/2015/wordml/symex" xmlns:wpg="http://schemas.microsoft.com/office/word/2010/wordprocessingGroup" xmlns:wpi="http://schemas.microsoft.com/office/word/2010/wordprocessingInk" xmlns:wne="http://schemas.microsoft.com/office/word/2006/wordml" xmlns:wps="http://schemas.microsoft.com/office/word/2010/wordprocessingShape" xmlns="" xmlns:mo="http://schemas.microsoft.com/office/mac/office/2008/main" xmlns:mv="urn:schemas-microsoft-com:mac:vml" xmlns:o="urn:schemas-microsoft-com:office:office" xmlns:v="urn:schemas-microsoft-com:vml" xmlns:w10="urn:schemas-microsoft-com:office:word" xmlns:w="http://schemas.openxmlformats.org/wordprocessingml/2006/main" xmlns:a14="http://schemas.microsoft.com/office/drawing/2010/main" xmlns:lc="http://schemas.openxmlformats.org/drawingml/2006/lockedCanvas">
+                <a14:hiddenFill xmlns:lc="http://schemas.openxmlformats.org/drawingml/2006/lockedCanvas" xmlns:a14="http://schemas.microsoft.com/office/drawing/2010/main" xmlns:w="http://schemas.openxmlformats.org/wordprocessingml/2006/main" xmlns:w10="urn:schemas-microsoft-com:office:word" xmlns:v="urn:schemas-microsoft-com:vml" xmlns:o="urn:schemas-microsoft-com:office:office" xmlns:mv="urn:schemas-microsoft-com:mac:vml" xmlns:mo="http://schemas.microsoft.com/office/mac/office/2008/main" xmlns="" xmlns:wps="http://schemas.microsoft.com/office/word/2010/wordprocessingShape" xmlns:wne="http://schemas.microsoft.com/office/word/2006/wordml" xmlns:wpi="http://schemas.microsoft.com/office/word/2010/wordprocessingInk" xmlns:wpg="http://schemas.microsoft.com/office/word/2010/wordprocessingGroup" xmlns:w16se="http://schemas.microsoft.com/office/word/2015/wordml/symex" xmlns:w16="http://schemas.microsoft.com/office/word/2018/wordml" xmlns:w16cid="http://schemas.microsoft.com/office/word/2016/wordml/cid" xmlns:w16cex="http://schemas.microsoft.com/office/word/2018/wordml/cex" xmlns:w15="http://schemas.microsoft.com/office/word/2012/wordml" xmlns:w14="http://schemas.microsoft.com/office/word/2010/wordml" xmlns:wp="http://schemas.openxmlformats.org/drawingml/2006/wordprocessingDrawing" xmlns:wp14="http://schemas.microsoft.com/office/word/2010/wordprocessingDrawing" xmlns:m="http://schemas.openxmlformats.org/officeDocument/2006/math" xmlns:am3d="http://schemas.microsoft.com/office/drawing/2017/model3d" xmlns:aink="http://schemas.microsoft.com/office/drawing/2016/ink" xmlns:mc="http://schemas.openxmlformats.org/markup-compatibility/2006" xmlns:cx8="http://schemas.microsoft.com/office/drawing/2016/5/14/chartex" xmlns:cx7="http://schemas.microsoft.com/office/drawing/2016/5/13/chartex" xmlns:cx6="http://schemas.microsoft.com/office/drawing/2016/5/12/chartex" xmlns:cx5="http://schemas.microsoft.com/office/drawing/2016/5/11/chartex" xmlns:cx4="http://schemas.microsoft.com/office/drawing/2016/5/10/chartex" xmlns:cx3="http://schemas.microsoft.com/office/drawing/2016/5/9/chartex" xmlns:cx2="http://schemas.microsoft.com/office/drawing/2015/10/21/chartex" xmlns:cx1="http://schemas.microsoft.com/office/drawing/2015/9/8/chartex" xmlns:cx="http://schemas.microsoft.com/office/drawing/2014/chartex" xmlns:wpc="http://schemas.microsoft.com/office/word/2010/wordprocessingCanvas">
                   <a:solidFill>
                     <a:srgbClr val="FFFFFF"/>
                   </a:solidFill>
                 </a14:hiddenFill>
               </a:ext>
               <a:ext uri="{91240B29-F687-4f45-9708-019B960494DF}">
-                <a14:hiddenLine xmlns:wpc="http://schemas.microsoft.com/office/word/2010/wordprocessingCanvas" xmlns:cx="http://schemas.microsoft.com/office/drawing/2014/chartex" xmlns:cx1="http://schemas.microsoft.com/office/drawing/2015/9/8/chartex" xmlns:cx2="http://schemas.microsoft.com/office/drawing/2015/10/21/chartex" xmlns:cx3="http://schemas.microsoft.com/office/drawing/2016/5/9/chartex" xmlns:cx4="http://schemas.microsoft.com/office/drawing/2016/5/10/chartex" xmlns:cx5="http://schemas.microsoft.com/office/drawing/2016/5/11/chartex" xmlns:cx6="http://schemas.microsoft.com/office/drawing/2016/5/12/chartex" xmlns:cx7="http://schemas.microsoft.com/office/drawing/2016/5/13/chartex" xmlns:cx8="http://schemas.microsoft.com/office/drawing/2016/5/14/chartex" xmlns:mc="http://schemas.openxmlformats.org/markup-compatibility/2006" xmlns:aink="http://schemas.microsoft.com/office/drawing/2016/ink" xmlns:am3d="http://schemas.microsoft.com/office/drawing/2017/model3d" xmlns:m="http://schemas.openxmlformats.org/officeDocument/2006/math" xmlns:wp14="http://schemas.microsoft.com/office/word/2010/wordprocessingDrawing" xmlns:wp="http://schemas.openxmlformats.org/drawingml/2006/wordprocessingDrawing" xmlns:w14="http://schemas.microsoft.com/office/word/2010/wordml" xmlns:w15="http://schemas.microsoft.com/office/word/2012/wordml" xmlns:w16cex="http://schemas.microsoft.com/office/word/2018/wordml/cex" xmlns:w16cid="http://schemas.microsoft.com/office/word/2016/wordml/cid" xmlns:w16="http://schemas.microsoft.com/office/word/2018/wordml" xmlns:w16se="http://schemas.microsoft.com/office/word/2015/wordml/symex" xmlns:wpg="http://schemas.microsoft.com/office/word/2010/wordprocessingGroup" xmlns:wpi="http://schemas.microsoft.com/office/word/2010/wordprocessingInk" xmlns:wne="http://schemas.microsoft.com/office/word/2006/wordml" xmlns:wps="http://schemas.microsoft.com/office/word/2010/wordprocessingShape" xmlns="" xmlns:mo="http://schemas.microsoft.com/office/mac/office/2008/main" xmlns:mv="urn:schemas-microsoft-com:mac:vml" xmlns:o="urn:schemas-microsoft-com:office:office" xmlns:v="urn:schemas-microsoft-com:vml" xmlns:w10="urn:schemas-microsoft-com:office:word" xmlns:w="http://schemas.openxmlformats.org/wordprocessingml/2006/main" xmlns:a14="http://schemas.microsoft.com/office/drawing/2010/main" xmlns:lc="http://schemas.openxmlformats.org/drawingml/2006/lockedCanvas" w="9525">
+                <a14:hiddenLine xmlns:lc="http://schemas.openxmlformats.org/drawingml/2006/lockedCanvas" xmlns:a14="http://schemas.microsoft.com/office/drawing/2010/main" xmlns:w="http://schemas.openxmlformats.org/wordprocessingml/2006/main" xmlns:w10="urn:schemas-microsoft-com:office:word" xmlns:v="urn:schemas-microsoft-com:vml" xmlns:o="urn:schemas-microsoft-com:office:office" xmlns:mv="urn:schemas-microsoft-com:mac:vml" xmlns:mo="http://schemas.microsoft.com/office/mac/office/2008/main" xmlns="" xmlns:wps="http://schemas.microsoft.com/office/word/2010/wordprocessingShape" xmlns:wne="http://schemas.microsoft.com/office/word/2006/wordml" xmlns:wpi="http://schemas.microsoft.com/office/word/2010/wordprocessingInk" xmlns:wpg="http://schemas.microsoft.com/office/word/2010/wordprocessingGroup" xmlns:w16se="http://schemas.microsoft.com/office/word/2015/wordml/symex" xmlns:w16="http://schemas.microsoft.com/office/word/2018/wordml" xmlns:w16cid="http://schemas.microsoft.com/office/word/2016/wordml/cid" xmlns:w16cex="http://schemas.microsoft.com/office/word/2018/wordml/cex" xmlns:w15="http://schemas.microsoft.com/office/word/2012/wordml" xmlns:w14="http://schemas.microsoft.com/office/word/2010/wordml" xmlns:wp="http://schemas.openxmlformats.org/drawingml/2006/wordprocessingDrawing" xmlns:wp14="http://schemas.microsoft.com/office/word/2010/wordprocessingDrawing" xmlns:m="http://schemas.openxmlformats.org/officeDocument/2006/math" xmlns:am3d="http://schemas.microsoft.com/office/drawing/2017/model3d" xmlns:aink="http://schemas.microsoft.com/office/drawing/2016/ink" xmlns:mc="http://schemas.openxmlformats.org/markup-compatibility/2006" xmlns:cx8="http://schemas.microsoft.com/office/drawing/2016/5/14/chartex" xmlns:cx7="http://schemas.microsoft.com/office/drawing/2016/5/13/chartex" xmlns:cx6="http://schemas.microsoft.com/office/drawing/2016/5/12/chartex" xmlns:cx5="http://schemas.microsoft.com/office/drawing/2016/5/11/chartex" xmlns:cx4="http://schemas.microsoft.com/office/drawing/2016/5/10/chartex" xmlns:cx3="http://schemas.microsoft.com/office/drawing/2016/5/9/chartex" xmlns:cx2="http://schemas.microsoft.com/office/drawing/2015/10/21/chartex" xmlns:cx1="http://schemas.microsoft.com/office/drawing/2015/9/8/chartex" xmlns:cx="http://schemas.microsoft.com/office/drawing/2014/chartex" xmlns:wpc="http://schemas.microsoft.com/office/word/2010/wordprocessingCanvas" w="9525">
                   <a:solidFill>
                     <a:srgbClr val="000000"/>
                   </a:solidFill>
@@ -3587,14 +3592,14 @@
             </a:ln>
             <a:extLst>
               <a:ext uri="{909E8E84-426E-40dd-AFC4-6F175D3DCCD1}">
-                <a14:hiddenFill xmlns:wpc="http://schemas.microsoft.com/office/word/2010/wordprocessingCanvas" xmlns:cx="http://schemas.microsoft.com/office/drawing/2014/chartex" xmlns:cx1="http://schemas.microsoft.com/office/drawing/2015/9/8/chartex" xmlns:cx2="http://schemas.microsoft.com/office/drawing/2015/10/21/chartex" xmlns:cx3="http://schemas.microsoft.com/office/drawing/2016/5/9/chartex" xmlns:cx4="http://schemas.microsoft.com/office/drawing/2016/5/10/chartex" xmlns:cx5="http://schemas.microsoft.com/office/drawing/2016/5/11/chartex" xmlns:cx6="http://schemas.microsoft.com/office/drawing/2016/5/12/chartex" xmlns:cx7="http://schemas.microsoft.com/office/drawing/2016/5/13/chartex" xmlns:cx8="http://schemas.microsoft.com/office/drawing/2016/5/14/chartex" xmlns:mc="http://schemas.openxmlformats.org/markup-compatibility/2006" xmlns:aink="http://schemas.microsoft.com/office/drawing/2016/ink" xmlns:am3d="http://schemas.microsoft.com/office/drawing/2017/model3d" xmlns:m="http://schemas.openxmlformats.org/officeDocument/2006/math" xmlns:wp14="http://schemas.microsoft.com/office/word/2010/wordprocessingDrawing" xmlns:wp="http://schemas.openxmlformats.org/drawingml/2006/wordprocessingDrawing" xmlns:w14="http://schemas.microsoft.com/office/word/2010/wordml" xmlns:w15="http://schemas.microsoft.com/office/word/2012/wordml" xmlns:w16cex="http://schemas.microsoft.com/office/word/2018/wordml/cex" xmlns:w16cid="http://schemas.microsoft.com/office/word/2016/wordml/cid" xmlns:w16="http://schemas.microsoft.com/office/word/2018/wordml" xmlns:w16se="http://schemas.microsoft.com/office/word/2015/wordml/symex" xmlns:wpg="http://schemas.microsoft.com/office/word/2010/wordprocessingGroup" xmlns:wpi="http://schemas.microsoft.com/office/word/2010/wordprocessingInk" xmlns:wne="http://schemas.microsoft.com/office/word/2006/wordml" xmlns:wps="http://schemas.microsoft.com/office/word/2010/wordprocessingShape" xmlns="" xmlns:mo="http://schemas.microsoft.com/office/mac/office/2008/main" xmlns:mv="urn:schemas-microsoft-com:mac:vml" xmlns:o="urn:schemas-microsoft-com:office:office" xmlns:v="urn:schemas-microsoft-com:vml" xmlns:w10="urn:schemas-microsoft-com:office:word" xmlns:w="http://schemas.openxmlformats.org/wordprocessingml/2006/main" xmlns:a14="http://schemas.microsoft.com/office/drawing/2010/main" xmlns:lc="http://schemas.openxmlformats.org/drawingml/2006/lockedCanvas">
+                <a14:hiddenFill xmlns:lc="http://schemas.openxmlformats.org/drawingml/2006/lockedCanvas" xmlns:a14="http://schemas.microsoft.com/office/drawing/2010/main" xmlns:w="http://schemas.openxmlformats.org/wordprocessingml/2006/main" xmlns:w10="urn:schemas-microsoft-com:office:word" xmlns:v="urn:schemas-microsoft-com:vml" xmlns:o="urn:schemas-microsoft-com:office:office" xmlns:mv="urn:schemas-microsoft-com:mac:vml" xmlns:mo="http://schemas.microsoft.com/office/mac/office/2008/main" xmlns="" xmlns:wps="http://schemas.microsoft.com/office/word/2010/wordprocessingShape" xmlns:wne="http://schemas.microsoft.com/office/word/2006/wordml" xmlns:wpi="http://schemas.microsoft.com/office/word/2010/wordprocessingInk" xmlns:wpg="http://schemas.microsoft.com/office/word/2010/wordprocessingGroup" xmlns:w16se="http://schemas.microsoft.com/office/word/2015/wordml/symex" xmlns:w16="http://schemas.microsoft.com/office/word/2018/wordml" xmlns:w16cid="http://schemas.microsoft.com/office/word/2016/wordml/cid" xmlns:w16cex="http://schemas.microsoft.com/office/word/2018/wordml/cex" xmlns:w15="http://schemas.microsoft.com/office/word/2012/wordml" xmlns:w14="http://schemas.microsoft.com/office/word/2010/wordml" xmlns:wp="http://schemas.openxmlformats.org/drawingml/2006/wordprocessingDrawing" xmlns:wp14="http://schemas.microsoft.com/office/word/2010/wordprocessingDrawing" xmlns:m="http://schemas.openxmlformats.org/officeDocument/2006/math" xmlns:am3d="http://schemas.microsoft.com/office/drawing/2017/model3d" xmlns:aink="http://schemas.microsoft.com/office/drawing/2016/ink" xmlns:mc="http://schemas.openxmlformats.org/markup-compatibility/2006" xmlns:cx8="http://schemas.microsoft.com/office/drawing/2016/5/14/chartex" xmlns:cx7="http://schemas.microsoft.com/office/drawing/2016/5/13/chartex" xmlns:cx6="http://schemas.microsoft.com/office/drawing/2016/5/12/chartex" xmlns:cx5="http://schemas.microsoft.com/office/drawing/2016/5/11/chartex" xmlns:cx4="http://schemas.microsoft.com/office/drawing/2016/5/10/chartex" xmlns:cx3="http://schemas.microsoft.com/office/drawing/2016/5/9/chartex" xmlns:cx2="http://schemas.microsoft.com/office/drawing/2015/10/21/chartex" xmlns:cx1="http://schemas.microsoft.com/office/drawing/2015/9/8/chartex" xmlns:cx="http://schemas.microsoft.com/office/drawing/2014/chartex" xmlns:wpc="http://schemas.microsoft.com/office/word/2010/wordprocessingCanvas">
                   <a:solidFill>
                     <a:srgbClr val="FFFFFF"/>
                   </a:solidFill>
                 </a14:hiddenFill>
               </a:ext>
               <a:ext uri="{91240B29-F687-4f45-9708-019B960494DF}">
-                <a14:hiddenLine xmlns:wpc="http://schemas.microsoft.com/office/word/2010/wordprocessingCanvas" xmlns:cx="http://schemas.microsoft.com/office/drawing/2014/chartex" xmlns:cx1="http://schemas.microsoft.com/office/drawing/2015/9/8/chartex" xmlns:cx2="http://schemas.microsoft.com/office/drawing/2015/10/21/chartex" xmlns:cx3="http://schemas.microsoft.com/office/drawing/2016/5/9/chartex" xmlns:cx4="http://schemas.microsoft.com/office/drawing/2016/5/10/chartex" xmlns:cx5="http://schemas.microsoft.com/office/drawing/2016/5/11/chartex" xmlns:cx6="http://schemas.microsoft.com/office/drawing/2016/5/12/chartex" xmlns:cx7="http://schemas.microsoft.com/office/drawing/2016/5/13/chartex" xmlns:cx8="http://schemas.microsoft.com/office/drawing/2016/5/14/chartex" xmlns:mc="http://schemas.openxmlformats.org/markup-compatibility/2006" xmlns:aink="http://schemas.microsoft.com/office/drawing/2016/ink" xmlns:am3d="http://schemas.microsoft.com/office/drawing/2017/model3d" xmlns:m="http://schemas.openxmlformats.org/officeDocument/2006/math" xmlns:wp14="http://schemas.microsoft.com/office/word/2010/wordprocessingDrawing" xmlns:wp="http://schemas.openxmlformats.org/drawingml/2006/wordprocessingDrawing" xmlns:w14="http://schemas.microsoft.com/office/word/2010/wordml" xmlns:w15="http://schemas.microsoft.com/office/word/2012/wordml" xmlns:w16cex="http://schemas.microsoft.com/office/word/2018/wordml/cex" xmlns:w16cid="http://schemas.microsoft.com/office/word/2016/wordml/cid" xmlns:w16="http://schemas.microsoft.com/office/word/2018/wordml" xmlns:w16se="http://schemas.microsoft.com/office/word/2015/wordml/symex" xmlns:wpg="http://schemas.microsoft.com/office/word/2010/wordprocessingGroup" xmlns:wpi="http://schemas.microsoft.com/office/word/2010/wordprocessingInk" xmlns:wne="http://schemas.microsoft.com/office/word/2006/wordml" xmlns:wps="http://schemas.microsoft.com/office/word/2010/wordprocessingShape" xmlns="" xmlns:mo="http://schemas.microsoft.com/office/mac/office/2008/main" xmlns:mv="urn:schemas-microsoft-com:mac:vml" xmlns:o="urn:schemas-microsoft-com:office:office" xmlns:v="urn:schemas-microsoft-com:vml" xmlns:w10="urn:schemas-microsoft-com:office:word" xmlns:w="http://schemas.openxmlformats.org/wordprocessingml/2006/main" xmlns:a14="http://schemas.microsoft.com/office/drawing/2010/main" xmlns:lc="http://schemas.openxmlformats.org/drawingml/2006/lockedCanvas" w="9525">
+                <a14:hiddenLine xmlns:lc="http://schemas.openxmlformats.org/drawingml/2006/lockedCanvas" xmlns:a14="http://schemas.microsoft.com/office/drawing/2010/main" xmlns:w="http://schemas.openxmlformats.org/wordprocessingml/2006/main" xmlns:w10="urn:schemas-microsoft-com:office:word" xmlns:v="urn:schemas-microsoft-com:vml" xmlns:o="urn:schemas-microsoft-com:office:office" xmlns:mv="urn:schemas-microsoft-com:mac:vml" xmlns:mo="http://schemas.microsoft.com/office/mac/office/2008/main" xmlns="" xmlns:wps="http://schemas.microsoft.com/office/word/2010/wordprocessingShape" xmlns:wne="http://schemas.microsoft.com/office/word/2006/wordml" xmlns:wpi="http://schemas.microsoft.com/office/word/2010/wordprocessingInk" xmlns:wpg="http://schemas.microsoft.com/office/word/2010/wordprocessingGroup" xmlns:w16se="http://schemas.microsoft.com/office/word/2015/wordml/symex" xmlns:w16="http://schemas.microsoft.com/office/word/2018/wordml" xmlns:w16cid="http://schemas.microsoft.com/office/word/2016/wordml/cid" xmlns:w16cex="http://schemas.microsoft.com/office/word/2018/wordml/cex" xmlns:w15="http://schemas.microsoft.com/office/word/2012/wordml" xmlns:w14="http://schemas.microsoft.com/office/word/2010/wordml" xmlns:wp="http://schemas.openxmlformats.org/drawingml/2006/wordprocessingDrawing" xmlns:wp14="http://schemas.microsoft.com/office/word/2010/wordprocessingDrawing" xmlns:m="http://schemas.openxmlformats.org/officeDocument/2006/math" xmlns:am3d="http://schemas.microsoft.com/office/drawing/2017/model3d" xmlns:aink="http://schemas.microsoft.com/office/drawing/2016/ink" xmlns:mc="http://schemas.openxmlformats.org/markup-compatibility/2006" xmlns:cx8="http://schemas.microsoft.com/office/drawing/2016/5/14/chartex" xmlns:cx7="http://schemas.microsoft.com/office/drawing/2016/5/13/chartex" xmlns:cx6="http://schemas.microsoft.com/office/drawing/2016/5/12/chartex" xmlns:cx5="http://schemas.microsoft.com/office/drawing/2016/5/11/chartex" xmlns:cx4="http://schemas.microsoft.com/office/drawing/2016/5/10/chartex" xmlns:cx3="http://schemas.microsoft.com/office/drawing/2016/5/9/chartex" xmlns:cx2="http://schemas.microsoft.com/office/drawing/2015/10/21/chartex" xmlns:cx1="http://schemas.microsoft.com/office/drawing/2015/9/8/chartex" xmlns:cx="http://schemas.microsoft.com/office/drawing/2014/chartex" xmlns:wpc="http://schemas.microsoft.com/office/word/2010/wordprocessingCanvas" w="9525">
                   <a:solidFill>
                     <a:srgbClr val="000000"/>
                   </a:solidFill>
@@ -3736,7 +3741,7 @@
                 </a:spcAft>
               </a:pPr>
               <a:r>
-                <a:rPr lang="en-US" sz="1400" kern="1200">
+                <a:rPr lang="en-US" sz="1400" kern="1200" dirty="0">
                   <a:solidFill>
                     <a:srgbClr val="FFFFFF"/>
                   </a:solidFill>
@@ -3747,7 +3752,7 @@
                 </a:rPr>
                 <a:t>DocEntry#2</a:t>
               </a:r>
-              <a:endParaRPr lang="en-US" sz="1200">
+              <a:endParaRPr lang="en-US" sz="1200" dirty="0">
                 <a:effectLst/>
                 <a:latin typeface="Times New Roman" panose="02020603050405020304" pitchFamily="18" charset="0"/>
                 <a:ea typeface="Times New Roman" panose="02020603050405020304" pitchFamily="18" charset="0"/>
@@ -3763,7 +3768,7 @@
                 </a:spcAft>
               </a:pPr>
               <a:r>
-                <a:rPr lang="en-US" sz="1400" kern="1200">
+                <a:rPr lang="en-US" sz="1400" kern="1200" dirty="0">
                   <a:solidFill>
                     <a:srgbClr val="FFFFFF"/>
                   </a:solidFill>
@@ -3774,7 +3779,7 @@
                 </a:rPr>
                 <a:t>Lid22</a:t>
               </a:r>
-              <a:endParaRPr lang="en-US" sz="1200">
+              <a:endParaRPr lang="en-US" sz="1200" dirty="0">
                 <a:effectLst/>
                 <a:latin typeface="Times New Roman" panose="02020603050405020304" pitchFamily="18" charset="0"/>
                 <a:ea typeface="Times New Roman" panose="02020603050405020304" pitchFamily="18" charset="0"/>
@@ -3790,7 +3795,7 @@
                 </a:spcAft>
               </a:pPr>
               <a:r>
-                <a:rPr lang="en-US" sz="1400" kern="1200">
+                <a:rPr lang="en-US" sz="1400" kern="1200" dirty="0">
                   <a:solidFill>
                     <a:srgbClr val="FFFFFF"/>
                   </a:solidFill>
@@ -3801,7 +3806,7 @@
                 </a:rPr>
                 <a:t>adPid222</a:t>
               </a:r>
-              <a:endParaRPr lang="en-US" sz="1200">
+              <a:endParaRPr lang="en-US" sz="1200" dirty="0">
                 <a:effectLst/>
                 <a:latin typeface="Times New Roman" panose="02020603050405020304" pitchFamily="18" charset="0"/>
                 <a:ea typeface="Times New Roman" panose="02020603050405020304" pitchFamily="18" charset="0"/>
